--- a/영상처리 포트폴리오.pptx
+++ b/영상처리 포트폴리오.pptx
@@ -271,7 +271,7 @@
           <a:p>
             <a:fld id="{75FE0411-92F3-4A55-B393-4642719FDA6D}" type="datetimeFigureOut">
               <a:rPr lang="ko-KR" altLang="en-US" smtClean="0"/>
-              <a:t>2021-11-08</a:t>
+              <a:t>2022-03-06</a:t>
             </a:fld>
             <a:endParaRPr lang="ko-KR" altLang="en-US"/>
           </a:p>
@@ -469,7 +469,7 @@
           <a:p>
             <a:fld id="{75FE0411-92F3-4A55-B393-4642719FDA6D}" type="datetimeFigureOut">
               <a:rPr lang="ko-KR" altLang="en-US" smtClean="0"/>
-              <a:t>2021-11-08</a:t>
+              <a:t>2022-03-06</a:t>
             </a:fld>
             <a:endParaRPr lang="ko-KR" altLang="en-US"/>
           </a:p>
@@ -677,7 +677,7 @@
           <a:p>
             <a:fld id="{75FE0411-92F3-4A55-B393-4642719FDA6D}" type="datetimeFigureOut">
               <a:rPr lang="ko-KR" altLang="en-US" smtClean="0"/>
-              <a:t>2021-11-08</a:t>
+              <a:t>2022-03-06</a:t>
             </a:fld>
             <a:endParaRPr lang="ko-KR" altLang="en-US"/>
           </a:p>
@@ -875,7 +875,7 @@
           <a:p>
             <a:fld id="{75FE0411-92F3-4A55-B393-4642719FDA6D}" type="datetimeFigureOut">
               <a:rPr lang="ko-KR" altLang="en-US" smtClean="0"/>
-              <a:t>2021-11-08</a:t>
+              <a:t>2022-03-06</a:t>
             </a:fld>
             <a:endParaRPr lang="ko-KR" altLang="en-US"/>
           </a:p>
@@ -1150,7 +1150,7 @@
           <a:p>
             <a:fld id="{75FE0411-92F3-4A55-B393-4642719FDA6D}" type="datetimeFigureOut">
               <a:rPr lang="ko-KR" altLang="en-US" smtClean="0"/>
-              <a:t>2021-11-08</a:t>
+              <a:t>2022-03-06</a:t>
             </a:fld>
             <a:endParaRPr lang="ko-KR" altLang="en-US"/>
           </a:p>
@@ -1415,7 +1415,7 @@
           <a:p>
             <a:fld id="{75FE0411-92F3-4A55-B393-4642719FDA6D}" type="datetimeFigureOut">
               <a:rPr lang="ko-KR" altLang="en-US" smtClean="0"/>
-              <a:t>2021-11-08</a:t>
+              <a:t>2022-03-06</a:t>
             </a:fld>
             <a:endParaRPr lang="ko-KR" altLang="en-US"/>
           </a:p>
@@ -1827,7 +1827,7 @@
           <a:p>
             <a:fld id="{75FE0411-92F3-4A55-B393-4642719FDA6D}" type="datetimeFigureOut">
               <a:rPr lang="ko-KR" altLang="en-US" smtClean="0"/>
-              <a:t>2021-11-08</a:t>
+              <a:t>2022-03-06</a:t>
             </a:fld>
             <a:endParaRPr lang="ko-KR" altLang="en-US"/>
           </a:p>
@@ -1968,7 +1968,7 @@
           <a:p>
             <a:fld id="{75FE0411-92F3-4A55-B393-4642719FDA6D}" type="datetimeFigureOut">
               <a:rPr lang="ko-KR" altLang="en-US" smtClean="0"/>
-              <a:t>2021-11-08</a:t>
+              <a:t>2022-03-06</a:t>
             </a:fld>
             <a:endParaRPr lang="ko-KR" altLang="en-US"/>
           </a:p>
@@ -2081,7 +2081,7 @@
           <a:p>
             <a:fld id="{75FE0411-92F3-4A55-B393-4642719FDA6D}" type="datetimeFigureOut">
               <a:rPr lang="ko-KR" altLang="en-US" smtClean="0"/>
-              <a:t>2021-11-08</a:t>
+              <a:t>2022-03-06</a:t>
             </a:fld>
             <a:endParaRPr lang="ko-KR" altLang="en-US"/>
           </a:p>
@@ -2392,7 +2392,7 @@
           <a:p>
             <a:fld id="{75FE0411-92F3-4A55-B393-4642719FDA6D}" type="datetimeFigureOut">
               <a:rPr lang="ko-KR" altLang="en-US" smtClean="0"/>
-              <a:t>2021-11-08</a:t>
+              <a:t>2022-03-06</a:t>
             </a:fld>
             <a:endParaRPr lang="ko-KR" altLang="en-US"/>
           </a:p>
@@ -2680,7 +2680,7 @@
           <a:p>
             <a:fld id="{75FE0411-92F3-4A55-B393-4642719FDA6D}" type="datetimeFigureOut">
               <a:rPr lang="ko-KR" altLang="en-US" smtClean="0"/>
-              <a:t>2021-11-08</a:t>
+              <a:t>2022-03-06</a:t>
             </a:fld>
             <a:endParaRPr lang="ko-KR" altLang="en-US"/>
           </a:p>
@@ -2921,7 +2921,7 @@
           <a:p>
             <a:fld id="{75FE0411-92F3-4A55-B393-4642719FDA6D}" type="datetimeFigureOut">
               <a:rPr lang="ko-KR" altLang="en-US" smtClean="0"/>
-              <a:t>2021-11-08</a:t>
+              <a:t>2022-03-06</a:t>
             </a:fld>
             <a:endParaRPr lang="ko-KR" altLang="en-US"/>
           </a:p>
@@ -3698,7 +3698,7 @@
         </p:nvSpPr>
         <p:spPr>
           <a:xfrm>
-            <a:off x="284600" y="1631998"/>
+            <a:off x="284600" y="1852619"/>
             <a:ext cx="5671456" cy="403403"/>
           </a:xfrm>
           <a:prstGeom prst="rect">
@@ -3911,7 +3911,7 @@
         </p:nvSpPr>
         <p:spPr>
           <a:xfrm>
-            <a:off x="284600" y="2087103"/>
+            <a:off x="284600" y="2307724"/>
             <a:ext cx="4889446" cy="427683"/>
           </a:xfrm>
           <a:prstGeom prst="rect">
@@ -4103,7 +4103,7 @@
                 </a:solidFill>
                 <a:ea typeface="맑은 고딕" panose="020B0503020000020004" pitchFamily="50" charset="-127"/>
               </a:rPr>
-              <a:t>: 2019. 5.1 ~ 2019. 6.10</a:t>
+              <a:t>: 2019. 4.1 ~ 2019. 6.10</a:t>
             </a:r>
             <a:endParaRPr lang="en-US" altLang="ko-KR" sz="2000" b="1" kern="0" spc="0" dirty="0">
               <a:solidFill>
@@ -4130,7 +4130,7 @@
         </p:nvSpPr>
         <p:spPr>
           <a:xfrm>
-            <a:off x="284600" y="2565412"/>
+            <a:off x="284600" y="2786033"/>
             <a:ext cx="4757027" cy="403403"/>
           </a:xfrm>
           <a:prstGeom prst="rect">
@@ -4943,254 +4943,6 @@
               </a:solidFill>
               <a:effectLst/>
               <a:ea typeface="맑은 고딕" panose="020B0503020000020004" pitchFamily="50" charset="-127"/>
-            </a:endParaRPr>
-          </a:p>
-        </p:txBody>
-      </p:sp>
-      <p:sp>
-        <p:nvSpPr>
-          <p:cNvPr id="21" name="내용 개체 틀 2">
-            <a:extLst>
-              <a:ext uri="{FF2B5EF4-FFF2-40B4-BE49-F238E27FC236}">
-                <a16:creationId xmlns:a16="http://schemas.microsoft.com/office/drawing/2014/main" id="{188776B8-EF3B-42D5-8164-1D3D493395AD}"/>
-              </a:ext>
-            </a:extLst>
-          </p:cNvPr>
-          <p:cNvSpPr txBox="1">
-            <a:spLocks/>
-          </p:cNvSpPr>
-          <p:nvPr/>
-        </p:nvSpPr>
-        <p:spPr>
-          <a:xfrm>
-            <a:off x="284600" y="3025597"/>
-            <a:ext cx="4757027" cy="403403"/>
-          </a:xfrm>
-          <a:prstGeom prst="rect">
-            <a:avLst/>
-          </a:prstGeom>
-        </p:spPr>
-        <p:txBody>
-          <a:bodyPr vert="horz" lIns="91440" tIns="45720" rIns="91440" bIns="45720" rtlCol="0">
-            <a:normAutofit/>
-          </a:bodyPr>
-          <a:lstStyle>
-            <a:lvl1pPr marL="228600" indent="-228600" algn="l" defTabSz="914400" rtl="0" eaLnBrk="1" latinLnBrk="1" hangingPunct="1">
-              <a:lnSpc>
-                <a:spcPct val="90000"/>
-              </a:lnSpc>
-              <a:spcBef>
-                <a:spcPts val="1000"/>
-              </a:spcBef>
-              <a:buFont typeface="Arial" panose="020B0604020202020204" pitchFamily="34" charset="0"/>
-              <a:buChar char="•"/>
-              <a:defRPr sz="2800" kern="1200">
-                <a:solidFill>
-                  <a:schemeClr val="tx1"/>
-                </a:solidFill>
-                <a:latin typeface="+mn-lt"/>
-                <a:ea typeface="+mn-ea"/>
-                <a:cs typeface="+mn-cs"/>
-              </a:defRPr>
-            </a:lvl1pPr>
-            <a:lvl2pPr marL="685800" indent="-228600" algn="l" defTabSz="914400" rtl="0" eaLnBrk="1" latinLnBrk="1" hangingPunct="1">
-              <a:lnSpc>
-                <a:spcPct val="90000"/>
-              </a:lnSpc>
-              <a:spcBef>
-                <a:spcPts val="500"/>
-              </a:spcBef>
-              <a:buFont typeface="Arial" panose="020B0604020202020204" pitchFamily="34" charset="0"/>
-              <a:buChar char="•"/>
-              <a:defRPr sz="2400" kern="1200">
-                <a:solidFill>
-                  <a:schemeClr val="tx1"/>
-                </a:solidFill>
-                <a:latin typeface="+mn-lt"/>
-                <a:ea typeface="+mn-ea"/>
-                <a:cs typeface="+mn-cs"/>
-              </a:defRPr>
-            </a:lvl2pPr>
-            <a:lvl3pPr marL="1143000" indent="-228600" algn="l" defTabSz="914400" rtl="0" eaLnBrk="1" latinLnBrk="1" hangingPunct="1">
-              <a:lnSpc>
-                <a:spcPct val="90000"/>
-              </a:lnSpc>
-              <a:spcBef>
-                <a:spcPts val="500"/>
-              </a:spcBef>
-              <a:buFont typeface="Arial" panose="020B0604020202020204" pitchFamily="34" charset="0"/>
-              <a:buChar char="•"/>
-              <a:defRPr sz="2000" kern="1200">
-                <a:solidFill>
-                  <a:schemeClr val="tx1"/>
-                </a:solidFill>
-                <a:latin typeface="+mn-lt"/>
-                <a:ea typeface="+mn-ea"/>
-                <a:cs typeface="+mn-cs"/>
-              </a:defRPr>
-            </a:lvl3pPr>
-            <a:lvl4pPr marL="1600200" indent="-228600" algn="l" defTabSz="914400" rtl="0" eaLnBrk="1" latinLnBrk="1" hangingPunct="1">
-              <a:lnSpc>
-                <a:spcPct val="90000"/>
-              </a:lnSpc>
-              <a:spcBef>
-                <a:spcPts val="500"/>
-              </a:spcBef>
-              <a:buFont typeface="Arial" panose="020B0604020202020204" pitchFamily="34" charset="0"/>
-              <a:buChar char="•"/>
-              <a:defRPr sz="1800" kern="1200">
-                <a:solidFill>
-                  <a:schemeClr val="tx1"/>
-                </a:solidFill>
-                <a:latin typeface="+mn-lt"/>
-                <a:ea typeface="+mn-ea"/>
-                <a:cs typeface="+mn-cs"/>
-              </a:defRPr>
-            </a:lvl4pPr>
-            <a:lvl5pPr marL="2057400" indent="-228600" algn="l" defTabSz="914400" rtl="0" eaLnBrk="1" latinLnBrk="1" hangingPunct="1">
-              <a:lnSpc>
-                <a:spcPct val="90000"/>
-              </a:lnSpc>
-              <a:spcBef>
-                <a:spcPts val="500"/>
-              </a:spcBef>
-              <a:buFont typeface="Arial" panose="020B0604020202020204" pitchFamily="34" charset="0"/>
-              <a:buChar char="•"/>
-              <a:defRPr sz="1800" kern="1200">
-                <a:solidFill>
-                  <a:schemeClr val="tx1"/>
-                </a:solidFill>
-                <a:latin typeface="+mn-lt"/>
-                <a:ea typeface="+mn-ea"/>
-                <a:cs typeface="+mn-cs"/>
-              </a:defRPr>
-            </a:lvl5pPr>
-            <a:lvl6pPr marL="2514600" indent="-228600" algn="l" defTabSz="914400" rtl="0" eaLnBrk="1" latinLnBrk="1" hangingPunct="1">
-              <a:lnSpc>
-                <a:spcPct val="90000"/>
-              </a:lnSpc>
-              <a:spcBef>
-                <a:spcPts val="500"/>
-              </a:spcBef>
-              <a:buFont typeface="Arial" panose="020B0604020202020204" pitchFamily="34" charset="0"/>
-              <a:buChar char="•"/>
-              <a:defRPr sz="1800" kern="1200">
-                <a:solidFill>
-                  <a:schemeClr val="tx1"/>
-                </a:solidFill>
-                <a:latin typeface="+mn-lt"/>
-                <a:ea typeface="+mn-ea"/>
-                <a:cs typeface="+mn-cs"/>
-              </a:defRPr>
-            </a:lvl6pPr>
-            <a:lvl7pPr marL="2971800" indent="-228600" algn="l" defTabSz="914400" rtl="0" eaLnBrk="1" latinLnBrk="1" hangingPunct="1">
-              <a:lnSpc>
-                <a:spcPct val="90000"/>
-              </a:lnSpc>
-              <a:spcBef>
-                <a:spcPts val="500"/>
-              </a:spcBef>
-              <a:buFont typeface="Arial" panose="020B0604020202020204" pitchFamily="34" charset="0"/>
-              <a:buChar char="•"/>
-              <a:defRPr sz="1800" kern="1200">
-                <a:solidFill>
-                  <a:schemeClr val="tx1"/>
-                </a:solidFill>
-                <a:latin typeface="+mn-lt"/>
-                <a:ea typeface="+mn-ea"/>
-                <a:cs typeface="+mn-cs"/>
-              </a:defRPr>
-            </a:lvl7pPr>
-            <a:lvl8pPr marL="3429000" indent="-228600" algn="l" defTabSz="914400" rtl="0" eaLnBrk="1" latinLnBrk="1" hangingPunct="1">
-              <a:lnSpc>
-                <a:spcPct val="90000"/>
-              </a:lnSpc>
-              <a:spcBef>
-                <a:spcPts val="500"/>
-              </a:spcBef>
-              <a:buFont typeface="Arial" panose="020B0604020202020204" pitchFamily="34" charset="0"/>
-              <a:buChar char="•"/>
-              <a:defRPr sz="1800" kern="1200">
-                <a:solidFill>
-                  <a:schemeClr val="tx1"/>
-                </a:solidFill>
-                <a:latin typeface="+mn-lt"/>
-                <a:ea typeface="+mn-ea"/>
-                <a:cs typeface="+mn-cs"/>
-              </a:defRPr>
-            </a:lvl8pPr>
-            <a:lvl9pPr marL="3886200" indent="-228600" algn="l" defTabSz="914400" rtl="0" eaLnBrk="1" latinLnBrk="1" hangingPunct="1">
-              <a:lnSpc>
-                <a:spcPct val="90000"/>
-              </a:lnSpc>
-              <a:spcBef>
-                <a:spcPts val="500"/>
-              </a:spcBef>
-              <a:buFont typeface="Arial" panose="020B0604020202020204" pitchFamily="34" charset="0"/>
-              <a:buChar char="•"/>
-              <a:defRPr sz="1800" kern="1200">
-                <a:solidFill>
-                  <a:schemeClr val="tx1"/>
-                </a:solidFill>
-                <a:latin typeface="+mn-lt"/>
-                <a:ea typeface="+mn-ea"/>
-                <a:cs typeface="+mn-cs"/>
-              </a:defRPr>
-            </a:lvl9pPr>
-          </a:lstStyle>
-          <a:p>
-            <a:r>
-              <a:rPr lang="ko-KR" altLang="en-US" sz="2000" b="1" kern="0" dirty="0">
-                <a:solidFill>
-                  <a:srgbClr val="000000"/>
-                </a:solidFill>
-                <a:ea typeface="맑은 고딕" panose="020B0503020000020004" pitchFamily="50" charset="-127"/>
-              </a:rPr>
-              <a:t>학번</a:t>
-            </a:r>
-            <a:r>
-              <a:rPr lang="en-US" altLang="ko-KR" sz="2000" b="1" kern="0" dirty="0">
-                <a:solidFill>
-                  <a:srgbClr val="000000"/>
-                </a:solidFill>
-                <a:ea typeface="맑은 고딕" panose="020B0503020000020004" pitchFamily="50" charset="-127"/>
-              </a:rPr>
-              <a:t>/</a:t>
-            </a:r>
-            <a:r>
-              <a:rPr lang="ko-KR" altLang="en-US" sz="2000" b="1" kern="0" dirty="0">
-                <a:solidFill>
-                  <a:srgbClr val="000000"/>
-                </a:solidFill>
-                <a:ea typeface="맑은 고딕" panose="020B0503020000020004" pitchFamily="50" charset="-127"/>
-              </a:rPr>
-              <a:t>이름</a:t>
-            </a:r>
-            <a:r>
-              <a:rPr lang="en-US" altLang="ko-KR" sz="2000" b="1" kern="0" dirty="0">
-                <a:solidFill>
-                  <a:srgbClr val="000000"/>
-                </a:solidFill>
-                <a:ea typeface="맑은 고딕" panose="020B0503020000020004" pitchFamily="50" charset="-127"/>
-              </a:rPr>
-              <a:t> : 15010990 / </a:t>
-            </a:r>
-            <a:r>
-              <a:rPr lang="ko-KR" altLang="en-US" sz="2000" b="1" kern="0" dirty="0" err="1">
-                <a:solidFill>
-                  <a:srgbClr val="000000"/>
-                </a:solidFill>
-                <a:ea typeface="맑은 고딕" panose="020B0503020000020004" pitchFamily="50" charset="-127"/>
-              </a:rPr>
-              <a:t>조홍민</a:t>
-            </a:r>
-            <a:endParaRPr lang="en-US" altLang="ko-KR" sz="2000" b="1" kern="0" spc="0" dirty="0">
-              <a:solidFill>
-                <a:srgbClr val="000000"/>
-              </a:solidFill>
-              <a:effectLst/>
-              <a:latin typeface="+mj-lt"/>
-              <a:ea typeface="나눔스퀘어 ExtraBold" panose="020B0600000101010101" pitchFamily="50" charset="-127"/>
             </a:endParaRPr>
           </a:p>
         </p:txBody>
